--- a/presentations/Detekcia nepovoleneho prístupu kustomizáciou nízko interaktívnych honeypotov1.pptx
+++ b/presentations/Detekcia nepovoleneho prístupu kustomizáciou nízko interaktívnych honeypotov1.pptx
@@ -121,6 +121,11 @@
       </a:defRPr>
     </a:lvl9pPr>
   </p:defaultTextStyle>
+  <p:extLst>
+    <p:ext uri="{EFAFB233-063F-42B5-8137-9DF3F51BA10A}">
+      <p15:sldGuideLst xmlns:p15="http://schemas.microsoft.com/office/powerpoint/2012/main"/>
+    </p:ext>
+  </p:extLst>
 </p:presentation>
 </file>
 
@@ -19028,7 +19033,7 @@
           <a:p>
             <a:fld id="{D150AA39-B59D-403E-8167-B52EA36C0242}" type="datetimeFigureOut">
               <a:rPr lang="sk-SK" smtClean="0"/>
-              <a:t>18. 3. 2022</a:t>
+              <a:t>19. 3. 2022</a:t>
             </a:fld>
             <a:endParaRPr lang="sk-SK"/>
           </a:p>
@@ -19279,7 +19284,7 @@
           <a:p>
             <a:fld id="{D150AA39-B59D-403E-8167-B52EA36C0242}" type="datetimeFigureOut">
               <a:rPr lang="sk-SK" smtClean="0"/>
-              <a:t>18. 3. 2022</a:t>
+              <a:t>19. 3. 2022</a:t>
             </a:fld>
             <a:endParaRPr lang="sk-SK"/>
           </a:p>
@@ -19593,7 +19598,7 @@
           <a:p>
             <a:fld id="{D150AA39-B59D-403E-8167-B52EA36C0242}" type="datetimeFigureOut">
               <a:rPr lang="sk-SK" smtClean="0"/>
-              <a:t>18. 3. 2022</a:t>
+              <a:t>19. 3. 2022</a:t>
             </a:fld>
             <a:endParaRPr lang="sk-SK"/>
           </a:p>
@@ -19934,7 +19939,7 @@
           <a:p>
             <a:fld id="{D150AA39-B59D-403E-8167-B52EA36C0242}" type="datetimeFigureOut">
               <a:rPr lang="sk-SK" smtClean="0"/>
-              <a:t>18. 3. 2022</a:t>
+              <a:t>19. 3. 2022</a:t>
             </a:fld>
             <a:endParaRPr lang="sk-SK"/>
           </a:p>
@@ -20248,7 +20253,7 @@
           <a:p>
             <a:fld id="{D150AA39-B59D-403E-8167-B52EA36C0242}" type="datetimeFigureOut">
               <a:rPr lang="sk-SK" smtClean="0"/>
-              <a:t>18. 3. 2022</a:t>
+              <a:t>19. 3. 2022</a:t>
             </a:fld>
             <a:endParaRPr lang="sk-SK"/>
           </a:p>
@@ -20641,7 +20646,7 @@
           <a:p>
             <a:fld id="{D150AA39-B59D-403E-8167-B52EA36C0242}" type="datetimeFigureOut">
               <a:rPr lang="sk-SK" smtClean="0"/>
-              <a:t>18. 3. 2022</a:t>
+              <a:t>19. 3. 2022</a:t>
             </a:fld>
             <a:endParaRPr lang="sk-SK"/>
           </a:p>
@@ -20811,7 +20816,7 @@
           <a:p>
             <a:fld id="{D150AA39-B59D-403E-8167-B52EA36C0242}" type="datetimeFigureOut">
               <a:rPr lang="sk-SK" smtClean="0"/>
-              <a:t>18. 3. 2022</a:t>
+              <a:t>19. 3. 2022</a:t>
             </a:fld>
             <a:endParaRPr lang="sk-SK"/>
           </a:p>
@@ -20991,7 +20996,7 @@
           <a:p>
             <a:fld id="{D150AA39-B59D-403E-8167-B52EA36C0242}" type="datetimeFigureOut">
               <a:rPr lang="sk-SK" smtClean="0"/>
-              <a:t>18. 3. 2022</a:t>
+              <a:t>19. 3. 2022</a:t>
             </a:fld>
             <a:endParaRPr lang="sk-SK"/>
           </a:p>
@@ -21167,7 +21172,7 @@
           <a:p>
             <a:fld id="{D150AA39-B59D-403E-8167-B52EA36C0242}" type="datetimeFigureOut">
               <a:rPr lang="sk-SK" smtClean="0"/>
-              <a:t>18. 3. 2022</a:t>
+              <a:t>19. 3. 2022</a:t>
             </a:fld>
             <a:endParaRPr lang="sk-SK"/>
           </a:p>
@@ -21414,7 +21419,7 @@
           <a:p>
             <a:fld id="{D150AA39-B59D-403E-8167-B52EA36C0242}" type="datetimeFigureOut">
               <a:rPr lang="sk-SK" smtClean="0"/>
-              <a:t>18. 3. 2022</a:t>
+              <a:t>19. 3. 2022</a:t>
             </a:fld>
             <a:endParaRPr lang="sk-SK"/>
           </a:p>
@@ -21646,7 +21651,7 @@
           <a:p>
             <a:fld id="{D150AA39-B59D-403E-8167-B52EA36C0242}" type="datetimeFigureOut">
               <a:rPr lang="sk-SK" smtClean="0"/>
-              <a:t>18. 3. 2022</a:t>
+              <a:t>19. 3. 2022</a:t>
             </a:fld>
             <a:endParaRPr lang="sk-SK"/>
           </a:p>
@@ -22020,7 +22025,7 @@
           <a:p>
             <a:fld id="{D150AA39-B59D-403E-8167-B52EA36C0242}" type="datetimeFigureOut">
               <a:rPr lang="sk-SK" smtClean="0"/>
-              <a:t>18. 3. 2022</a:t>
+              <a:t>19. 3. 2022</a:t>
             </a:fld>
             <a:endParaRPr lang="sk-SK"/>
           </a:p>
@@ -22143,7 +22148,7 @@
           <a:p>
             <a:fld id="{D150AA39-B59D-403E-8167-B52EA36C0242}" type="datetimeFigureOut">
               <a:rPr lang="sk-SK" smtClean="0"/>
-              <a:t>18. 3. 2022</a:t>
+              <a:t>19. 3. 2022</a:t>
             </a:fld>
             <a:endParaRPr lang="sk-SK"/>
           </a:p>
@@ -22238,7 +22243,7 @@
           <a:p>
             <a:fld id="{D150AA39-B59D-403E-8167-B52EA36C0242}" type="datetimeFigureOut">
               <a:rPr lang="sk-SK" smtClean="0"/>
-              <a:t>18. 3. 2022</a:t>
+              <a:t>19. 3. 2022</a:t>
             </a:fld>
             <a:endParaRPr lang="sk-SK"/>
           </a:p>
@@ -22493,7 +22498,7 @@
           <a:p>
             <a:fld id="{D150AA39-B59D-403E-8167-B52EA36C0242}" type="datetimeFigureOut">
               <a:rPr lang="sk-SK" smtClean="0"/>
-              <a:t>18. 3. 2022</a:t>
+              <a:t>19. 3. 2022</a:t>
             </a:fld>
             <a:endParaRPr lang="sk-SK"/>
           </a:p>
@@ -22756,7 +22761,7 @@
           <a:p>
             <a:fld id="{D150AA39-B59D-403E-8167-B52EA36C0242}" type="datetimeFigureOut">
               <a:rPr lang="sk-SK" smtClean="0"/>
-              <a:t>18. 3. 2022</a:t>
+              <a:t>19. 3. 2022</a:t>
             </a:fld>
             <a:endParaRPr lang="sk-SK"/>
           </a:p>
@@ -23499,7 +23504,7 @@
           <a:p>
             <a:fld id="{D150AA39-B59D-403E-8167-B52EA36C0242}" type="datetimeFigureOut">
               <a:rPr lang="sk-SK" smtClean="0"/>
-              <a:t>18. 3. 2022</a:t>
+              <a:t>19. 3. 2022</a:t>
             </a:fld>
             <a:endParaRPr lang="sk-SK"/>
           </a:p>
@@ -26494,11 +26499,11 @@
             </a:r>
             <a:r>
               <a:rPr lang="sk-SK" dirty="0" err="1"/>
-              <a:t>iframu</a:t>
+              <a:t>iframe</a:t>
             </a:r>
             <a:r>
               <a:rPr lang="sk-SK" dirty="0"/>
-              <a:t> do </a:t>
+              <a:t> elementu do </a:t>
             </a:r>
             <a:r>
               <a:rPr lang="sk-SK" dirty="0" err="1"/>
@@ -27280,12 +27285,8 @@
               <a:buAutoNum type="arabicPeriod"/>
             </a:pPr>
             <a:r>
-              <a:rPr lang="sk-SK" dirty="0" err="1"/>
-              <a:t>Zahešovanie</a:t>
-            </a:r>
-            <a:r>
               <a:rPr lang="sk-SK" dirty="0"/>
-              <a:t> obsahu metódami pre skrytie obsahu</a:t>
+              <a:t>Zamaskovanie obsahu metódami pre skrytie obsahu</a:t>
             </a:r>
           </a:p>
           <a:p>

--- a/presentations/Detekcia nepovoleneho prístupu kustomizáciou nízko interaktívnych honeypotov1.pptx
+++ b/presentations/Detekcia nepovoleneho prístupu kustomizáciou nízko interaktívnych honeypotov1.pptx
@@ -4,6 +4,9 @@
   <p:sldMasterIdLst>
     <p:sldMasterId id="2147483767" r:id="rId1"/>
   </p:sldMasterIdLst>
+  <p:notesMasterIdLst>
+    <p:notesMasterId r:id="rId21"/>
+  </p:notesMasterIdLst>
   <p:sldIdLst>
     <p:sldId id="256" r:id="rId2"/>
     <p:sldId id="257" r:id="rId3"/>
@@ -18,11 +21,12 @@
     <p:sldId id="268" r:id="rId12"/>
     <p:sldId id="269" r:id="rId13"/>
     <p:sldId id="270" r:id="rId14"/>
-    <p:sldId id="272" r:id="rId15"/>
-    <p:sldId id="271" r:id="rId16"/>
-    <p:sldId id="273" r:id="rId17"/>
-    <p:sldId id="262" r:id="rId18"/>
-    <p:sldId id="263" r:id="rId19"/>
+    <p:sldId id="271" r:id="rId15"/>
+    <p:sldId id="273" r:id="rId16"/>
+    <p:sldId id="262" r:id="rId17"/>
+    <p:sldId id="263" r:id="rId18"/>
+    <p:sldId id="272" r:id="rId19"/>
+    <p:sldId id="274" r:id="rId20"/>
   </p:sldIdLst>
   <p:sldSz cx="12192000" cy="6858000"/>
   <p:notesSz cx="6858000" cy="9144000"/>
@@ -18311,6 +18315,355 @@
 </dgm:styleDef>
 </file>
 
+<file path=ppt/notesMasters/notesMaster1.xml><?xml version="1.0" encoding="utf-8"?>
+<p:notesMaster xmlns:a="http://schemas.openxmlformats.org/drawingml/2006/main" xmlns:r="http://schemas.openxmlformats.org/officeDocument/2006/relationships" xmlns:p="http://schemas.openxmlformats.org/presentationml/2006/main">
+  <p:cSld>
+    <p:bg>
+      <p:bgRef idx="1001">
+        <a:schemeClr val="bg1"/>
+      </p:bgRef>
+    </p:bg>
+    <p:spTree>
+      <p:nvGrpSpPr>
+        <p:cNvPr id="1" name=""/>
+        <p:cNvGrpSpPr/>
+        <p:nvPr/>
+      </p:nvGrpSpPr>
+      <p:grpSpPr>
+        <a:xfrm>
+          <a:off x="0" y="0"/>
+          <a:ext cx="0" cy="0"/>
+          <a:chOff x="0" y="0"/>
+          <a:chExt cx="0" cy="0"/>
+        </a:xfrm>
+      </p:grpSpPr>
+      <p:sp>
+        <p:nvSpPr>
+          <p:cNvPr id="2" name="Zástupný objekt pre hlavičku 1"/>
+          <p:cNvSpPr>
+            <a:spLocks noGrp="1"/>
+          </p:cNvSpPr>
+          <p:nvPr>
+            <p:ph type="hdr" sz="quarter"/>
+          </p:nvPr>
+        </p:nvSpPr>
+        <p:spPr>
+          <a:xfrm>
+            <a:off x="0" y="0"/>
+            <a:ext cx="2971800" cy="458788"/>
+          </a:xfrm>
+          <a:prstGeom prst="rect">
+            <a:avLst/>
+          </a:prstGeom>
+        </p:spPr>
+        <p:txBody>
+          <a:bodyPr vert="horz" lIns="91440" tIns="45720" rIns="91440" bIns="45720" rtlCol="0"/>
+          <a:lstStyle>
+            <a:lvl1pPr algn="l">
+              <a:defRPr sz="1200"/>
+            </a:lvl1pPr>
+          </a:lstStyle>
+          <a:p>
+            <a:endParaRPr lang="sk-SK"/>
+          </a:p>
+        </p:txBody>
+      </p:sp>
+      <p:sp>
+        <p:nvSpPr>
+          <p:cNvPr id="3" name="Zástupný objekt pre dátum 2"/>
+          <p:cNvSpPr>
+            <a:spLocks noGrp="1"/>
+          </p:cNvSpPr>
+          <p:nvPr>
+            <p:ph type="dt" idx="1"/>
+          </p:nvPr>
+        </p:nvSpPr>
+        <p:spPr>
+          <a:xfrm>
+            <a:off x="3884613" y="0"/>
+            <a:ext cx="2971800" cy="458788"/>
+          </a:xfrm>
+          <a:prstGeom prst="rect">
+            <a:avLst/>
+          </a:prstGeom>
+        </p:spPr>
+        <p:txBody>
+          <a:bodyPr vert="horz" lIns="91440" tIns="45720" rIns="91440" bIns="45720" rtlCol="0"/>
+          <a:lstStyle>
+            <a:lvl1pPr algn="r">
+              <a:defRPr sz="1200"/>
+            </a:lvl1pPr>
+          </a:lstStyle>
+          <a:p>
+            <a:fld id="{FCA34E4B-FD8B-44EC-ACC1-52060C9F50A5}" type="datetimeFigureOut">
+              <a:rPr lang="sk-SK" smtClean="0"/>
+              <a:t>23. 3. 2022</a:t>
+            </a:fld>
+            <a:endParaRPr lang="sk-SK"/>
+          </a:p>
+        </p:txBody>
+      </p:sp>
+      <p:sp>
+        <p:nvSpPr>
+          <p:cNvPr id="4" name="Zástupný objekt pre obrázok snímky 3"/>
+          <p:cNvSpPr>
+            <a:spLocks noGrp="1" noRot="1" noChangeAspect="1"/>
+          </p:cNvSpPr>
+          <p:nvPr>
+            <p:ph type="sldImg" idx="2"/>
+          </p:nvPr>
+        </p:nvSpPr>
+        <p:spPr>
+          <a:xfrm>
+            <a:off x="685800" y="1143000"/>
+            <a:ext cx="5486400" cy="3086100"/>
+          </a:xfrm>
+          <a:prstGeom prst="rect">
+            <a:avLst/>
+          </a:prstGeom>
+          <a:noFill/>
+          <a:ln w="12700">
+            <a:solidFill>
+              <a:prstClr val="black"/>
+            </a:solidFill>
+          </a:ln>
+        </p:spPr>
+        <p:txBody>
+          <a:bodyPr vert="horz" lIns="91440" tIns="45720" rIns="91440" bIns="45720" rtlCol="0" anchor="ctr"/>
+          <a:lstStyle/>
+          <a:p>
+            <a:endParaRPr lang="sk-SK"/>
+          </a:p>
+        </p:txBody>
+      </p:sp>
+      <p:sp>
+        <p:nvSpPr>
+          <p:cNvPr id="5" name="Zástupný objekt pre poznámky 4"/>
+          <p:cNvSpPr>
+            <a:spLocks noGrp="1"/>
+          </p:cNvSpPr>
+          <p:nvPr>
+            <p:ph type="body" sz="quarter" idx="3"/>
+          </p:nvPr>
+        </p:nvSpPr>
+        <p:spPr>
+          <a:xfrm>
+            <a:off x="685800" y="4400550"/>
+            <a:ext cx="5486400" cy="3600450"/>
+          </a:xfrm>
+          <a:prstGeom prst="rect">
+            <a:avLst/>
+          </a:prstGeom>
+        </p:spPr>
+        <p:txBody>
+          <a:bodyPr vert="horz" lIns="91440" tIns="45720" rIns="91440" bIns="45720" rtlCol="0"/>
+          <a:lstStyle/>
+          <a:p>
+            <a:pPr lvl="0"/>
+            <a:r>
+              <a:rPr lang="sk-SK"/>
+              <a:t>Kliknite sem a upravte štýly predlohy textu</a:t>
+            </a:r>
+          </a:p>
+          <a:p>
+            <a:pPr lvl="1"/>
+            <a:r>
+              <a:rPr lang="sk-SK"/>
+              <a:t>Druhá úroveň</a:t>
+            </a:r>
+          </a:p>
+          <a:p>
+            <a:pPr lvl="2"/>
+            <a:r>
+              <a:rPr lang="sk-SK"/>
+              <a:t>Tretia úroveň</a:t>
+            </a:r>
+          </a:p>
+          <a:p>
+            <a:pPr lvl="3"/>
+            <a:r>
+              <a:rPr lang="sk-SK"/>
+              <a:t>Štvrtá úroveň</a:t>
+            </a:r>
+          </a:p>
+          <a:p>
+            <a:pPr lvl="4"/>
+            <a:r>
+              <a:rPr lang="sk-SK"/>
+              <a:t>Piata úroveň</a:t>
+            </a:r>
+          </a:p>
+        </p:txBody>
+      </p:sp>
+      <p:sp>
+        <p:nvSpPr>
+          <p:cNvPr id="6" name="Zástupný objekt pre pätu 5"/>
+          <p:cNvSpPr>
+            <a:spLocks noGrp="1"/>
+          </p:cNvSpPr>
+          <p:nvPr>
+            <p:ph type="ftr" sz="quarter" idx="4"/>
+          </p:nvPr>
+        </p:nvSpPr>
+        <p:spPr>
+          <a:xfrm>
+            <a:off x="0" y="8685213"/>
+            <a:ext cx="2971800" cy="458787"/>
+          </a:xfrm>
+          <a:prstGeom prst="rect">
+            <a:avLst/>
+          </a:prstGeom>
+        </p:spPr>
+        <p:txBody>
+          <a:bodyPr vert="horz" lIns="91440" tIns="45720" rIns="91440" bIns="45720" rtlCol="0" anchor="b"/>
+          <a:lstStyle>
+            <a:lvl1pPr algn="l">
+              <a:defRPr sz="1200"/>
+            </a:lvl1pPr>
+          </a:lstStyle>
+          <a:p>
+            <a:endParaRPr lang="sk-SK"/>
+          </a:p>
+        </p:txBody>
+      </p:sp>
+      <p:sp>
+        <p:nvSpPr>
+          <p:cNvPr id="7" name="Zástupný objekt pre číslo snímky 6"/>
+          <p:cNvSpPr>
+            <a:spLocks noGrp="1"/>
+          </p:cNvSpPr>
+          <p:nvPr>
+            <p:ph type="sldNum" sz="quarter" idx="5"/>
+          </p:nvPr>
+        </p:nvSpPr>
+        <p:spPr>
+          <a:xfrm>
+            <a:off x="3884613" y="8685213"/>
+            <a:ext cx="2971800" cy="458787"/>
+          </a:xfrm>
+          <a:prstGeom prst="rect">
+            <a:avLst/>
+          </a:prstGeom>
+        </p:spPr>
+        <p:txBody>
+          <a:bodyPr vert="horz" lIns="91440" tIns="45720" rIns="91440" bIns="45720" rtlCol="0" anchor="b"/>
+          <a:lstStyle>
+            <a:lvl1pPr algn="r">
+              <a:defRPr sz="1200"/>
+            </a:lvl1pPr>
+          </a:lstStyle>
+          <a:p>
+            <a:fld id="{3DD498D3-FDC9-4D0E-9E11-24A6AEB1846D}" type="slidenum">
+              <a:rPr lang="sk-SK" smtClean="0"/>
+              <a:t>‹#›</a:t>
+            </a:fld>
+            <a:endParaRPr lang="sk-SK"/>
+          </a:p>
+        </p:txBody>
+      </p:sp>
+    </p:spTree>
+    <p:extLst>
+      <p:ext uri="{BB962C8B-B14F-4D97-AF65-F5344CB8AC3E}">
+        <p14:creationId xmlns:p14="http://schemas.microsoft.com/office/powerpoint/2010/main" val="2458396892"/>
+      </p:ext>
+    </p:extLst>
+  </p:cSld>
+  <p:clrMap bg1="lt1" tx1="dk1" bg2="lt2" tx2="dk2" accent1="accent1" accent2="accent2" accent3="accent3" accent4="accent4" accent5="accent5" accent6="accent6" hlink="hlink" folHlink="folHlink"/>
+  <p:notesStyle>
+    <a:lvl1pPr marL="0" algn="l" defTabSz="914400" rtl="0" eaLnBrk="1" latinLnBrk="0" hangingPunct="1">
+      <a:defRPr sz="1200" kern="1200">
+        <a:solidFill>
+          <a:schemeClr val="tx1"/>
+        </a:solidFill>
+        <a:latin typeface="+mn-lt"/>
+        <a:ea typeface="+mn-ea"/>
+        <a:cs typeface="+mn-cs"/>
+      </a:defRPr>
+    </a:lvl1pPr>
+    <a:lvl2pPr marL="457200" algn="l" defTabSz="914400" rtl="0" eaLnBrk="1" latinLnBrk="0" hangingPunct="1">
+      <a:defRPr sz="1200" kern="1200">
+        <a:solidFill>
+          <a:schemeClr val="tx1"/>
+        </a:solidFill>
+        <a:latin typeface="+mn-lt"/>
+        <a:ea typeface="+mn-ea"/>
+        <a:cs typeface="+mn-cs"/>
+      </a:defRPr>
+    </a:lvl2pPr>
+    <a:lvl3pPr marL="914400" algn="l" defTabSz="914400" rtl="0" eaLnBrk="1" latinLnBrk="0" hangingPunct="1">
+      <a:defRPr sz="1200" kern="1200">
+        <a:solidFill>
+          <a:schemeClr val="tx1"/>
+        </a:solidFill>
+        <a:latin typeface="+mn-lt"/>
+        <a:ea typeface="+mn-ea"/>
+        <a:cs typeface="+mn-cs"/>
+      </a:defRPr>
+    </a:lvl3pPr>
+    <a:lvl4pPr marL="1371600" algn="l" defTabSz="914400" rtl="0" eaLnBrk="1" latinLnBrk="0" hangingPunct="1">
+      <a:defRPr sz="1200" kern="1200">
+        <a:solidFill>
+          <a:schemeClr val="tx1"/>
+        </a:solidFill>
+        <a:latin typeface="+mn-lt"/>
+        <a:ea typeface="+mn-ea"/>
+        <a:cs typeface="+mn-cs"/>
+      </a:defRPr>
+    </a:lvl4pPr>
+    <a:lvl5pPr marL="1828800" algn="l" defTabSz="914400" rtl="0" eaLnBrk="1" latinLnBrk="0" hangingPunct="1">
+      <a:defRPr sz="1200" kern="1200">
+        <a:solidFill>
+          <a:schemeClr val="tx1"/>
+        </a:solidFill>
+        <a:latin typeface="+mn-lt"/>
+        <a:ea typeface="+mn-ea"/>
+        <a:cs typeface="+mn-cs"/>
+      </a:defRPr>
+    </a:lvl5pPr>
+    <a:lvl6pPr marL="2286000" algn="l" defTabSz="914400" rtl="0" eaLnBrk="1" latinLnBrk="0" hangingPunct="1">
+      <a:defRPr sz="1200" kern="1200">
+        <a:solidFill>
+          <a:schemeClr val="tx1"/>
+        </a:solidFill>
+        <a:latin typeface="+mn-lt"/>
+        <a:ea typeface="+mn-ea"/>
+        <a:cs typeface="+mn-cs"/>
+      </a:defRPr>
+    </a:lvl6pPr>
+    <a:lvl7pPr marL="2743200" algn="l" defTabSz="914400" rtl="0" eaLnBrk="1" latinLnBrk="0" hangingPunct="1">
+      <a:defRPr sz="1200" kern="1200">
+        <a:solidFill>
+          <a:schemeClr val="tx1"/>
+        </a:solidFill>
+        <a:latin typeface="+mn-lt"/>
+        <a:ea typeface="+mn-ea"/>
+        <a:cs typeface="+mn-cs"/>
+      </a:defRPr>
+    </a:lvl7pPr>
+    <a:lvl8pPr marL="3200400" algn="l" defTabSz="914400" rtl="0" eaLnBrk="1" latinLnBrk="0" hangingPunct="1">
+      <a:defRPr sz="1200" kern="1200">
+        <a:solidFill>
+          <a:schemeClr val="tx1"/>
+        </a:solidFill>
+        <a:latin typeface="+mn-lt"/>
+        <a:ea typeface="+mn-ea"/>
+        <a:cs typeface="+mn-cs"/>
+      </a:defRPr>
+    </a:lvl8pPr>
+    <a:lvl9pPr marL="3657600" algn="l" defTabSz="914400" rtl="0" eaLnBrk="1" latinLnBrk="0" hangingPunct="1">
+      <a:defRPr sz="1200" kern="1200">
+        <a:solidFill>
+          <a:schemeClr val="tx1"/>
+        </a:solidFill>
+        <a:latin typeface="+mn-lt"/>
+        <a:ea typeface="+mn-ea"/>
+        <a:cs typeface="+mn-cs"/>
+      </a:defRPr>
+    </a:lvl9pPr>
+  </p:notesStyle>
+</p:notesMaster>
+</file>
+
 <file path=ppt/slideLayouts/slideLayout1.xml><?xml version="1.0" encoding="utf-8"?>
 <p:sldLayout xmlns:a="http://schemas.openxmlformats.org/drawingml/2006/main" xmlns:r="http://schemas.openxmlformats.org/officeDocument/2006/relationships" xmlns:p="http://schemas.openxmlformats.org/presentationml/2006/main" showMasterSp="0" type="title" preserve="1">
   <p:cSld name="Úvodná snímka">
@@ -19033,7 +19386,7 @@
           <a:p>
             <a:fld id="{D150AA39-B59D-403E-8167-B52EA36C0242}" type="datetimeFigureOut">
               <a:rPr lang="sk-SK" smtClean="0"/>
-              <a:t>19. 3. 2022</a:t>
+              <a:t>23. 3. 2022</a:t>
             </a:fld>
             <a:endParaRPr lang="sk-SK"/>
           </a:p>
@@ -19284,7 +19637,7 @@
           <a:p>
             <a:fld id="{D150AA39-B59D-403E-8167-B52EA36C0242}" type="datetimeFigureOut">
               <a:rPr lang="sk-SK" smtClean="0"/>
-              <a:t>19. 3. 2022</a:t>
+              <a:t>23. 3. 2022</a:t>
             </a:fld>
             <a:endParaRPr lang="sk-SK"/>
           </a:p>
@@ -19598,7 +19951,7 @@
           <a:p>
             <a:fld id="{D150AA39-B59D-403E-8167-B52EA36C0242}" type="datetimeFigureOut">
               <a:rPr lang="sk-SK" smtClean="0"/>
-              <a:t>19. 3. 2022</a:t>
+              <a:t>23. 3. 2022</a:t>
             </a:fld>
             <a:endParaRPr lang="sk-SK"/>
           </a:p>
@@ -19939,7 +20292,7 @@
           <a:p>
             <a:fld id="{D150AA39-B59D-403E-8167-B52EA36C0242}" type="datetimeFigureOut">
               <a:rPr lang="sk-SK" smtClean="0"/>
-              <a:t>19. 3. 2022</a:t>
+              <a:t>23. 3. 2022</a:t>
             </a:fld>
             <a:endParaRPr lang="sk-SK"/>
           </a:p>
@@ -20253,7 +20606,7 @@
           <a:p>
             <a:fld id="{D150AA39-B59D-403E-8167-B52EA36C0242}" type="datetimeFigureOut">
               <a:rPr lang="sk-SK" smtClean="0"/>
-              <a:t>19. 3. 2022</a:t>
+              <a:t>23. 3. 2022</a:t>
             </a:fld>
             <a:endParaRPr lang="sk-SK"/>
           </a:p>
@@ -20646,7 +20999,7 @@
           <a:p>
             <a:fld id="{D150AA39-B59D-403E-8167-B52EA36C0242}" type="datetimeFigureOut">
               <a:rPr lang="sk-SK" smtClean="0"/>
-              <a:t>19. 3. 2022</a:t>
+              <a:t>23. 3. 2022</a:t>
             </a:fld>
             <a:endParaRPr lang="sk-SK"/>
           </a:p>
@@ -20816,7 +21169,7 @@
           <a:p>
             <a:fld id="{D150AA39-B59D-403E-8167-B52EA36C0242}" type="datetimeFigureOut">
               <a:rPr lang="sk-SK" smtClean="0"/>
-              <a:t>19. 3. 2022</a:t>
+              <a:t>23. 3. 2022</a:t>
             </a:fld>
             <a:endParaRPr lang="sk-SK"/>
           </a:p>
@@ -20996,7 +21349,7 @@
           <a:p>
             <a:fld id="{D150AA39-B59D-403E-8167-B52EA36C0242}" type="datetimeFigureOut">
               <a:rPr lang="sk-SK" smtClean="0"/>
-              <a:t>19. 3. 2022</a:t>
+              <a:t>23. 3. 2022</a:t>
             </a:fld>
             <a:endParaRPr lang="sk-SK"/>
           </a:p>
@@ -21172,7 +21525,7 @@
           <a:p>
             <a:fld id="{D150AA39-B59D-403E-8167-B52EA36C0242}" type="datetimeFigureOut">
               <a:rPr lang="sk-SK" smtClean="0"/>
-              <a:t>19. 3. 2022</a:t>
+              <a:t>23. 3. 2022</a:t>
             </a:fld>
             <a:endParaRPr lang="sk-SK"/>
           </a:p>
@@ -21419,7 +21772,7 @@
           <a:p>
             <a:fld id="{D150AA39-B59D-403E-8167-B52EA36C0242}" type="datetimeFigureOut">
               <a:rPr lang="sk-SK" smtClean="0"/>
-              <a:t>19. 3. 2022</a:t>
+              <a:t>23. 3. 2022</a:t>
             </a:fld>
             <a:endParaRPr lang="sk-SK"/>
           </a:p>
@@ -21651,7 +22004,7 @@
           <a:p>
             <a:fld id="{D150AA39-B59D-403E-8167-B52EA36C0242}" type="datetimeFigureOut">
               <a:rPr lang="sk-SK" smtClean="0"/>
-              <a:t>19. 3. 2022</a:t>
+              <a:t>23. 3. 2022</a:t>
             </a:fld>
             <a:endParaRPr lang="sk-SK"/>
           </a:p>
@@ -22025,7 +22378,7 @@
           <a:p>
             <a:fld id="{D150AA39-B59D-403E-8167-B52EA36C0242}" type="datetimeFigureOut">
               <a:rPr lang="sk-SK" smtClean="0"/>
-              <a:t>19. 3. 2022</a:t>
+              <a:t>23. 3. 2022</a:t>
             </a:fld>
             <a:endParaRPr lang="sk-SK"/>
           </a:p>
@@ -22148,7 +22501,7 @@
           <a:p>
             <a:fld id="{D150AA39-B59D-403E-8167-B52EA36C0242}" type="datetimeFigureOut">
               <a:rPr lang="sk-SK" smtClean="0"/>
-              <a:t>19. 3. 2022</a:t>
+              <a:t>23. 3. 2022</a:t>
             </a:fld>
             <a:endParaRPr lang="sk-SK"/>
           </a:p>
@@ -22243,7 +22596,7 @@
           <a:p>
             <a:fld id="{D150AA39-B59D-403E-8167-B52EA36C0242}" type="datetimeFigureOut">
               <a:rPr lang="sk-SK" smtClean="0"/>
-              <a:t>19. 3. 2022</a:t>
+              <a:t>23. 3. 2022</a:t>
             </a:fld>
             <a:endParaRPr lang="sk-SK"/>
           </a:p>
@@ -22498,7 +22851,7 @@
           <a:p>
             <a:fld id="{D150AA39-B59D-403E-8167-B52EA36C0242}" type="datetimeFigureOut">
               <a:rPr lang="sk-SK" smtClean="0"/>
-              <a:t>19. 3. 2022</a:t>
+              <a:t>23. 3. 2022</a:t>
             </a:fld>
             <a:endParaRPr lang="sk-SK"/>
           </a:p>
@@ -22761,7 +23114,7 @@
           <a:p>
             <a:fld id="{D150AA39-B59D-403E-8167-B52EA36C0242}" type="datetimeFigureOut">
               <a:rPr lang="sk-SK" smtClean="0"/>
-              <a:t>19. 3. 2022</a:t>
+              <a:t>23. 3. 2022</a:t>
             </a:fld>
             <a:endParaRPr lang="sk-SK"/>
           </a:p>
@@ -23504,7 +23857,7 @@
           <a:p>
             <a:fld id="{D150AA39-B59D-403E-8167-B52EA36C0242}" type="datetimeFigureOut">
               <a:rPr lang="sk-SK" smtClean="0"/>
-              <a:t>19. 3. 2022</a:t>
+              <a:t>23. 3. 2022</a:t>
             </a:fld>
             <a:endParaRPr lang="sk-SK"/>
           </a:p>
@@ -24058,15 +24411,7 @@
           <a:p>
             <a:r>
               <a:rPr lang="sk-SK" sz="6000" b="1" dirty="0"/>
-              <a:t>Detekcia </a:t>
-            </a:r>
-            <a:r>
-              <a:rPr lang="sk-SK" sz="6000" b="1" dirty="0" err="1"/>
-              <a:t>nepovoleneho</a:t>
-            </a:r>
-            <a:r>
-              <a:rPr lang="sk-SK" sz="6000" b="1" dirty="0"/>
-              <a:t> prístupu </a:t>
+              <a:t>Detekcia nepovoleného prístupu </a:t>
             </a:r>
             <a:r>
               <a:rPr lang="sk-SK" sz="6000" b="1" dirty="0" err="1"/>
@@ -24114,6 +24459,54 @@
               <a:rPr lang="sk-SK" dirty="0"/>
               <a:t>Jakub Perdek</a:t>
             </a:r>
+          </a:p>
+        </p:txBody>
+      </p:sp>
+      <p:sp>
+        <p:nvSpPr>
+          <p:cNvPr id="4" name="BlokTextu 3">
+            <a:extLst>
+              <a:ext uri="{FF2B5EF4-FFF2-40B4-BE49-F238E27FC236}">
+                <a16:creationId xmlns:a16="http://schemas.microsoft.com/office/drawing/2014/main" id="{AF85E58D-2404-41B3-8ED2-7E4BF546A571}"/>
+              </a:ext>
+            </a:extLst>
+          </p:cNvPr>
+          <p:cNvSpPr txBox="1"/>
+          <p:nvPr/>
+        </p:nvSpPr>
+        <p:spPr>
+          <a:xfrm>
+            <a:off x="1509205" y="5357616"/>
+            <a:ext cx="5511830" cy="369332"/>
+          </a:xfrm>
+          <a:prstGeom prst="rect">
+            <a:avLst/>
+          </a:prstGeom>
+          <a:noFill/>
+        </p:spPr>
+        <p:txBody>
+          <a:bodyPr wrap="none" rtlCol="0">
+            <a:spAutoFit/>
+          </a:bodyPr>
+          <a:lstStyle/>
+          <a:p>
+            <a:r>
+              <a:rPr lang="sk-SK" dirty="0"/>
+              <a:t>Príprava nástrojov pre </a:t>
+            </a:r>
+            <a:r>
+              <a:rPr lang="sk-SK" dirty="0" err="1"/>
+              <a:t>kustomizovateľné</a:t>
+            </a:r>
+            <a:r>
+              <a:rPr lang="sk-SK" dirty="0"/>
+              <a:t> </a:t>
+            </a:r>
+            <a:r>
+              <a:rPr lang="sk-SK" dirty="0" err="1"/>
+              <a:t>honeypoty</a:t>
+            </a:r>
+            <a:endParaRPr lang="sk-SK" dirty="0"/>
           </a:p>
         </p:txBody>
       </p:sp>
@@ -26499,11 +26892,11 @@
             </a:r>
             <a:r>
               <a:rPr lang="sk-SK" dirty="0" err="1"/>
-              <a:t>iframe</a:t>
+              <a:t>iframu</a:t>
             </a:r>
             <a:r>
               <a:rPr lang="sk-SK" dirty="0"/>
-              <a:t> elementu do </a:t>
+              <a:t> do </a:t>
             </a:r>
             <a:r>
               <a:rPr lang="sk-SK" dirty="0" err="1"/>
@@ -27194,302 +27587,6 @@
           <p:cNvPr id="2" name="Nadpis 1">
             <a:extLst>
               <a:ext uri="{FF2B5EF4-FFF2-40B4-BE49-F238E27FC236}">
-                <a16:creationId xmlns:a16="http://schemas.microsoft.com/office/drawing/2014/main" id="{600A8571-F84A-495F-9E57-31E0ECA30324}"/>
-              </a:ext>
-            </a:extLst>
-          </p:cNvPr>
-          <p:cNvSpPr>
-            <a:spLocks noGrp="1"/>
-          </p:cNvSpPr>
-          <p:nvPr>
-            <p:ph type="title"/>
-          </p:nvPr>
-        </p:nvSpPr>
-        <p:spPr>
-          <a:xfrm>
-            <a:off x="388973" y="294012"/>
-            <a:ext cx="11414053" cy="1320800"/>
-          </a:xfrm>
-        </p:spPr>
-        <p:txBody>
-          <a:bodyPr>
-            <a:noAutofit/>
-          </a:bodyPr>
-          <a:lstStyle/>
-          <a:p>
-            <a:r>
-              <a:rPr lang="sk-SK" sz="4400" b="1" dirty="0"/>
-              <a:t>Automatizácia vloženia detegujúceho skriptu to webového tokenu</a:t>
-            </a:r>
-          </a:p>
-        </p:txBody>
-      </p:sp>
-      <p:sp>
-        <p:nvSpPr>
-          <p:cNvPr id="3" name="Zástupný objekt pre obsah 2">
-            <a:extLst>
-              <a:ext uri="{FF2B5EF4-FFF2-40B4-BE49-F238E27FC236}">
-                <a16:creationId xmlns:a16="http://schemas.microsoft.com/office/drawing/2014/main" id="{86CBBE68-0E43-4F6A-9CA8-1AE060E40476}"/>
-              </a:ext>
-            </a:extLst>
-          </p:cNvPr>
-          <p:cNvSpPr>
-            <a:spLocks noGrp="1"/>
-          </p:cNvSpPr>
-          <p:nvPr>
-            <p:ph idx="1"/>
-          </p:nvPr>
-        </p:nvSpPr>
-        <p:spPr>
-          <a:xfrm>
-            <a:off x="703967" y="1818100"/>
-            <a:ext cx="8596668" cy="3880773"/>
-          </a:xfrm>
-        </p:spPr>
-        <p:txBody>
-          <a:bodyPr/>
-          <a:lstStyle/>
-          <a:p>
-            <a:pPr>
-              <a:buAutoNum type="arabicPeriod"/>
-            </a:pPr>
-            <a:r>
-              <a:rPr lang="sk-SK" dirty="0" err="1"/>
-              <a:t>Predpripravenie</a:t>
-            </a:r>
-            <a:r>
-              <a:rPr lang="sk-SK" dirty="0"/>
-              <a:t> skriptu s kódom, ktorý odosiela hlásenia na server</a:t>
-            </a:r>
-          </a:p>
-          <a:p>
-            <a:pPr>
-              <a:buAutoNum type="arabicPeriod"/>
-            </a:pPr>
-            <a:r>
-              <a:rPr lang="sk-SK" dirty="0"/>
-              <a:t>Tvorba kópie daného webového dokumentu / lokality</a:t>
-            </a:r>
-          </a:p>
-          <a:p>
-            <a:pPr>
-              <a:buAutoNum type="arabicPeriod"/>
-            </a:pPr>
-            <a:r>
-              <a:rPr lang="sk-SK" dirty="0"/>
-              <a:t>Načítanie detegujúceho skriptu</a:t>
-            </a:r>
-          </a:p>
-          <a:p>
-            <a:pPr>
-              <a:buAutoNum type="arabicPeriod"/>
-            </a:pPr>
-            <a:r>
-              <a:rPr lang="sk-SK" dirty="0"/>
-              <a:t>Zamaskovanie obsahu metódami pre skrytie obsahu</a:t>
-            </a:r>
-          </a:p>
-          <a:p>
-            <a:pPr>
-              <a:buAutoNum type="arabicPeriod"/>
-            </a:pPr>
-            <a:r>
-              <a:rPr lang="sk-SK" dirty="0"/>
-              <a:t>Rozdelenie obsahu do niekoľkých riadkov kódu, v ktorých sa bude zlučovať a umiestnenie ich do elementu skript</a:t>
-            </a:r>
-          </a:p>
-          <a:p>
-            <a:pPr>
-              <a:buAutoNum type="arabicPeriod"/>
-            </a:pPr>
-            <a:r>
-              <a:rPr lang="sk-SK" dirty="0"/>
-              <a:t>Zavolanie metódy </a:t>
-            </a:r>
-            <a:r>
-              <a:rPr lang="sk-SK" dirty="0" err="1"/>
-              <a:t>eval</a:t>
-            </a:r>
-            <a:r>
-              <a:rPr lang="en-US" dirty="0"/>
-              <a:t>()</a:t>
-            </a:r>
-            <a:r>
-              <a:rPr lang="sk-SK" dirty="0"/>
-              <a:t> pre aplikovanie výsledného vytvoreného reťazca na konci tohto skriptu</a:t>
-            </a:r>
-          </a:p>
-          <a:p>
-            <a:pPr>
-              <a:buAutoNum type="arabicPeriod"/>
-            </a:pPr>
-            <a:r>
-              <a:rPr lang="sk-SK" dirty="0"/>
-              <a:t>Vloženie tohto </a:t>
-            </a:r>
-            <a:r>
-              <a:rPr lang="sk-SK" dirty="0" err="1"/>
-              <a:t>script</a:t>
-            </a:r>
-            <a:r>
-              <a:rPr lang="sk-SK" dirty="0"/>
-              <a:t> elementu do výsledného dokumentu</a:t>
-            </a:r>
-          </a:p>
-          <a:p>
-            <a:pPr>
-              <a:buAutoNum type="arabicPeriod"/>
-            </a:pPr>
-            <a:r>
-              <a:rPr lang="sk-SK" dirty="0"/>
-              <a:t>Pripravenie API serveru pre zachytenie hlásení</a:t>
-            </a:r>
-          </a:p>
-          <a:p>
-            <a:pPr>
-              <a:buAutoNum type="arabicPeriod"/>
-            </a:pPr>
-            <a:endParaRPr lang="sk-SK" dirty="0"/>
-          </a:p>
-          <a:p>
-            <a:endParaRPr lang="sk-SK" dirty="0"/>
-          </a:p>
-        </p:txBody>
-      </p:sp>
-      <p:sp>
-        <p:nvSpPr>
-          <p:cNvPr id="4" name="BlokTextu 3">
-            <a:extLst>
-              <a:ext uri="{FF2B5EF4-FFF2-40B4-BE49-F238E27FC236}">
-                <a16:creationId xmlns:a16="http://schemas.microsoft.com/office/drawing/2014/main" id="{E3B02DD4-D5EB-4CF7-B49A-048590B84A0A}"/>
-              </a:ext>
-            </a:extLst>
-          </p:cNvPr>
-          <p:cNvSpPr txBox="1"/>
-          <p:nvPr/>
-        </p:nvSpPr>
-        <p:spPr>
-          <a:xfrm>
-            <a:off x="544169" y="5902161"/>
-            <a:ext cx="5415842" cy="369332"/>
-          </a:xfrm>
-          <a:prstGeom prst="rect">
-            <a:avLst/>
-          </a:prstGeom>
-          <a:noFill/>
-        </p:spPr>
-        <p:txBody>
-          <a:bodyPr wrap="none" rtlCol="0">
-            <a:spAutoFit/>
-          </a:bodyPr>
-          <a:lstStyle/>
-          <a:p>
-            <a:r>
-              <a:rPr lang="sk-SK" dirty="0"/>
-              <a:t>TESTOVANIE FUNKČNOSTI </a:t>
-            </a:r>
-            <a:r>
-              <a:rPr lang="en-US" dirty="0"/>
-              <a:t>(</a:t>
-            </a:r>
-            <a:r>
-              <a:rPr lang="en-US" dirty="0" err="1"/>
-              <a:t>zatia</a:t>
-            </a:r>
-            <a:r>
-              <a:rPr lang="sk-SK" dirty="0"/>
-              <a:t>ľ bez argumentov</a:t>
-            </a:r>
-            <a:r>
-              <a:rPr lang="en-US" dirty="0"/>
-              <a:t>)</a:t>
-            </a:r>
-            <a:r>
-              <a:rPr lang="sk-SK" dirty="0"/>
-              <a:t>:</a:t>
-            </a:r>
-          </a:p>
-        </p:txBody>
-      </p:sp>
-      <p:sp>
-        <p:nvSpPr>
-          <p:cNvPr id="5" name="BlokTextu 4">
-            <a:extLst>
-              <a:ext uri="{FF2B5EF4-FFF2-40B4-BE49-F238E27FC236}">
-                <a16:creationId xmlns:a16="http://schemas.microsoft.com/office/drawing/2014/main" id="{BFA54E13-E2F8-4516-814B-1FB0C66AB81D}"/>
-              </a:ext>
-            </a:extLst>
-          </p:cNvPr>
-          <p:cNvSpPr txBox="1"/>
-          <p:nvPr/>
-        </p:nvSpPr>
-        <p:spPr>
-          <a:xfrm>
-            <a:off x="1100981" y="6271493"/>
-            <a:ext cx="8903078" cy="369332"/>
-          </a:xfrm>
-          <a:prstGeom prst="rect">
-            <a:avLst/>
-          </a:prstGeom>
-          <a:noFill/>
-        </p:spPr>
-        <p:txBody>
-          <a:bodyPr wrap="none" rtlCol="0">
-            <a:spAutoFit/>
-          </a:bodyPr>
-          <a:lstStyle/>
-          <a:p>
-            <a:r>
-              <a:rPr lang="fr-FR" dirty="0"/>
-              <a:t>"./</a:t>
-            </a:r>
-            <a:r>
-              <a:rPr lang="fr-FR" dirty="0" err="1"/>
-              <a:t>venv</a:t>
-            </a:r>
-            <a:r>
-              <a:rPr lang="fr-FR" dirty="0"/>
-              <a:t>/Scripts/python.exe" ./honey_token_generator/honey_token_constructor.py</a:t>
-            </a:r>
-            <a:endParaRPr lang="sk-SK" dirty="0"/>
-          </a:p>
-        </p:txBody>
-      </p:sp>
-    </p:spTree>
-    <p:extLst>
-      <p:ext uri="{BB962C8B-B14F-4D97-AF65-F5344CB8AC3E}">
-        <p14:creationId xmlns:p14="http://schemas.microsoft.com/office/powerpoint/2010/main" val="1100488114"/>
-      </p:ext>
-    </p:extLst>
-  </p:cSld>
-  <p:clrMapOvr>
-    <a:masterClrMapping/>
-  </p:clrMapOvr>
-</p:sld>
-</file>
-
-<file path=ppt/slides/slide15.xml><?xml version="1.0" encoding="utf-8"?>
-<p:sld xmlns:a="http://schemas.openxmlformats.org/drawingml/2006/main" xmlns:r="http://schemas.openxmlformats.org/officeDocument/2006/relationships" xmlns:p="http://schemas.openxmlformats.org/presentationml/2006/main">
-  <p:cSld>
-    <p:spTree>
-      <p:nvGrpSpPr>
-        <p:cNvPr id="1" name=""/>
-        <p:cNvGrpSpPr/>
-        <p:nvPr/>
-      </p:nvGrpSpPr>
-      <p:grpSpPr>
-        <a:xfrm>
-          <a:off x="0" y="0"/>
-          <a:ext cx="0" cy="0"/>
-          <a:chOff x="0" y="0"/>
-          <a:chExt cx="0" cy="0"/>
-        </a:xfrm>
-      </p:grpSpPr>
-      <p:sp>
-        <p:nvSpPr>
-          <p:cNvPr id="2" name="Nadpis 1">
-            <a:extLst>
-              <a:ext uri="{FF2B5EF4-FFF2-40B4-BE49-F238E27FC236}">
                 <a16:creationId xmlns:a16="http://schemas.microsoft.com/office/drawing/2014/main" id="{912447DB-CFD9-4888-A5EE-13D9E6361F91}"/>
               </a:ext>
             </a:extLst>
@@ -27503,8 +27600,8 @@
         </p:nvSpPr>
         <p:spPr>
           <a:xfrm>
-            <a:off x="535291" y="156238"/>
-            <a:ext cx="8596668" cy="1320800"/>
+            <a:off x="251206" y="168704"/>
+            <a:ext cx="11209866" cy="1320800"/>
           </a:xfrm>
         </p:spPr>
         <p:txBody>
@@ -27515,11 +27612,11 @@
           <a:p>
             <a:r>
               <a:rPr lang="sk-SK" sz="5400" b="1" dirty="0"/>
-              <a:t>Inštalácia </a:t>
+              <a:t>Inštalácia nízko </a:t>
             </a:r>
             <a:r>
               <a:rPr lang="sk-SK" sz="5400" b="1" dirty="0" err="1"/>
-              <a:t>low</a:t>
+              <a:t>interkatívneho</a:t>
             </a:r>
             <a:r>
               <a:rPr lang="sk-SK" sz="5400" b="1" dirty="0"/>
@@ -27527,15 +27624,7 @@
             </a:r>
             <a:r>
               <a:rPr lang="sk-SK" sz="5400" b="1" dirty="0" err="1"/>
-              <a:t>interaction</a:t>
-            </a:r>
-            <a:r>
-              <a:rPr lang="sk-SK" sz="5400" b="1" dirty="0"/>
-              <a:t> </a:t>
-            </a:r>
-            <a:r>
-              <a:rPr lang="sk-SK" sz="5400" b="1" dirty="0" err="1"/>
-              <a:t>hoenypotu</a:t>
+              <a:t>honeypotu</a:t>
             </a:r>
             <a:r>
               <a:rPr lang="sk-SK" sz="5400" b="1" dirty="0"/>
@@ -27600,7 +27689,7 @@
         </p:blipFill>
         <p:spPr>
           <a:xfrm>
-            <a:off x="6407809" y="1615846"/>
+            <a:off x="6407809" y="1655362"/>
             <a:ext cx="5448300" cy="819150"/>
           </a:xfrm>
           <a:prstGeom prst="rect">
@@ -27737,7 +27826,7 @@
 </p:sld>
 </file>
 
-<file path=ppt/slides/slide16.xml><?xml version="1.0" encoding="utf-8"?>
+<file path=ppt/slides/slide15.xml><?xml version="1.0" encoding="utf-8"?>
 <p:sld xmlns:a="http://schemas.openxmlformats.org/drawingml/2006/main" xmlns:r="http://schemas.openxmlformats.org/officeDocument/2006/relationships" xmlns:p="http://schemas.openxmlformats.org/presentationml/2006/main">
   <p:cSld>
     <p:spTree>
@@ -27884,7 +27973,7 @@
 </p:sld>
 </file>
 
-<file path=ppt/slides/slide17.xml><?xml version="1.0" encoding="utf-8"?>
+<file path=ppt/slides/slide16.xml><?xml version="1.0" encoding="utf-8"?>
 <p:sld xmlns:a="http://schemas.openxmlformats.org/drawingml/2006/main" xmlns:r="http://schemas.openxmlformats.org/officeDocument/2006/relationships" xmlns:p="http://schemas.openxmlformats.org/presentationml/2006/main">
   <p:cSld>
     <p:spTree>
@@ -28766,7 +28855,7 @@
 </p:sld>
 </file>
 
-<file path=ppt/slides/slide18.xml><?xml version="1.0" encoding="utf-8"?>
+<file path=ppt/slides/slide17.xml><?xml version="1.0" encoding="utf-8"?>
 <p:sld xmlns:a="http://schemas.openxmlformats.org/drawingml/2006/main" xmlns:r="http://schemas.openxmlformats.org/officeDocument/2006/relationships" xmlns:p="http://schemas.openxmlformats.org/presentationml/2006/main">
   <p:cSld>
     <p:spTree>
@@ -29451,6 +29540,437 @@
 </p:sld>
 </file>
 
+<file path=ppt/slides/slide18.xml><?xml version="1.0" encoding="utf-8"?>
+<p:sld xmlns:a="http://schemas.openxmlformats.org/drawingml/2006/main" xmlns:r="http://schemas.openxmlformats.org/officeDocument/2006/relationships" xmlns:p="http://schemas.openxmlformats.org/presentationml/2006/main">
+  <p:cSld>
+    <p:spTree>
+      <p:nvGrpSpPr>
+        <p:cNvPr id="1" name=""/>
+        <p:cNvGrpSpPr/>
+        <p:nvPr/>
+      </p:nvGrpSpPr>
+      <p:grpSpPr>
+        <a:xfrm>
+          <a:off x="0" y="0"/>
+          <a:ext cx="0" cy="0"/>
+          <a:chOff x="0" y="0"/>
+          <a:chExt cx="0" cy="0"/>
+        </a:xfrm>
+      </p:grpSpPr>
+      <p:sp>
+        <p:nvSpPr>
+          <p:cNvPr id="2" name="Nadpis 1">
+            <a:extLst>
+              <a:ext uri="{FF2B5EF4-FFF2-40B4-BE49-F238E27FC236}">
+                <a16:creationId xmlns:a16="http://schemas.microsoft.com/office/drawing/2014/main" id="{600A8571-F84A-495F-9E57-31E0ECA30324}"/>
+              </a:ext>
+            </a:extLst>
+          </p:cNvPr>
+          <p:cNvSpPr>
+            <a:spLocks noGrp="1"/>
+          </p:cNvSpPr>
+          <p:nvPr>
+            <p:ph type="title"/>
+          </p:nvPr>
+        </p:nvSpPr>
+        <p:spPr>
+          <a:xfrm>
+            <a:off x="388973" y="294012"/>
+            <a:ext cx="11414053" cy="1320800"/>
+          </a:xfrm>
+        </p:spPr>
+        <p:txBody>
+          <a:bodyPr>
+            <a:noAutofit/>
+          </a:bodyPr>
+          <a:lstStyle/>
+          <a:p>
+            <a:r>
+              <a:rPr lang="sk-SK" sz="4400" b="1" dirty="0"/>
+              <a:t>Automatizácia vloženia detegujúceho skriptu to webového tokenu</a:t>
+            </a:r>
+          </a:p>
+        </p:txBody>
+      </p:sp>
+      <p:sp>
+        <p:nvSpPr>
+          <p:cNvPr id="3" name="Zástupný objekt pre obsah 2">
+            <a:extLst>
+              <a:ext uri="{FF2B5EF4-FFF2-40B4-BE49-F238E27FC236}">
+                <a16:creationId xmlns:a16="http://schemas.microsoft.com/office/drawing/2014/main" id="{86CBBE68-0E43-4F6A-9CA8-1AE060E40476}"/>
+              </a:ext>
+            </a:extLst>
+          </p:cNvPr>
+          <p:cNvSpPr>
+            <a:spLocks noGrp="1"/>
+          </p:cNvSpPr>
+          <p:nvPr>
+            <p:ph idx="1"/>
+          </p:nvPr>
+        </p:nvSpPr>
+        <p:spPr>
+          <a:xfrm>
+            <a:off x="703967" y="1818100"/>
+            <a:ext cx="8596668" cy="3880773"/>
+          </a:xfrm>
+        </p:spPr>
+        <p:txBody>
+          <a:bodyPr/>
+          <a:lstStyle/>
+          <a:p>
+            <a:pPr>
+              <a:buAutoNum type="arabicPeriod"/>
+            </a:pPr>
+            <a:r>
+              <a:rPr lang="sk-SK" dirty="0" err="1"/>
+              <a:t>Predpripravenie</a:t>
+            </a:r>
+            <a:r>
+              <a:rPr lang="sk-SK" dirty="0"/>
+              <a:t> skriptu s kódom, ktorý odosiela hlásenia na server</a:t>
+            </a:r>
+          </a:p>
+          <a:p>
+            <a:pPr>
+              <a:buAutoNum type="arabicPeriod"/>
+            </a:pPr>
+            <a:r>
+              <a:rPr lang="sk-SK" dirty="0"/>
+              <a:t>Tvorba kópie daného webového dokumentu / lokality</a:t>
+            </a:r>
+          </a:p>
+          <a:p>
+            <a:pPr>
+              <a:buAutoNum type="arabicPeriod"/>
+            </a:pPr>
+            <a:r>
+              <a:rPr lang="sk-SK" dirty="0"/>
+              <a:t>Načítanie detegujúceho skriptu</a:t>
+            </a:r>
+          </a:p>
+          <a:p>
+            <a:pPr>
+              <a:buAutoNum type="arabicPeriod"/>
+            </a:pPr>
+            <a:r>
+              <a:rPr lang="sk-SK" dirty="0"/>
+              <a:t>Zamaskovanie obsahu metódami pre skrytie obsahu</a:t>
+            </a:r>
+          </a:p>
+          <a:p>
+            <a:pPr>
+              <a:buAutoNum type="arabicPeriod"/>
+            </a:pPr>
+            <a:r>
+              <a:rPr lang="sk-SK" dirty="0"/>
+              <a:t>Rozdelenie obsahu do niekoľkých riadkov kódu, v ktorých sa bude zlučovať a umiestnenie ich do elementu skript</a:t>
+            </a:r>
+          </a:p>
+          <a:p>
+            <a:pPr>
+              <a:buAutoNum type="arabicPeriod"/>
+            </a:pPr>
+            <a:r>
+              <a:rPr lang="sk-SK" dirty="0"/>
+              <a:t>Zavolanie metódy </a:t>
+            </a:r>
+            <a:r>
+              <a:rPr lang="sk-SK" dirty="0" err="1"/>
+              <a:t>eval</a:t>
+            </a:r>
+            <a:r>
+              <a:rPr lang="en-US" dirty="0"/>
+              <a:t>()</a:t>
+            </a:r>
+            <a:r>
+              <a:rPr lang="sk-SK" dirty="0"/>
+              <a:t> pre aplikovanie výsledného vytvoreného reťazca na konci tohto skriptu</a:t>
+            </a:r>
+          </a:p>
+          <a:p>
+            <a:pPr>
+              <a:buAutoNum type="arabicPeriod"/>
+            </a:pPr>
+            <a:r>
+              <a:rPr lang="sk-SK" dirty="0"/>
+              <a:t>Vloženie tohto </a:t>
+            </a:r>
+            <a:r>
+              <a:rPr lang="sk-SK" dirty="0" err="1"/>
+              <a:t>script</a:t>
+            </a:r>
+            <a:r>
+              <a:rPr lang="sk-SK" dirty="0"/>
+              <a:t> elementu do výsledného dokumentu</a:t>
+            </a:r>
+          </a:p>
+          <a:p>
+            <a:pPr>
+              <a:buAutoNum type="arabicPeriod"/>
+            </a:pPr>
+            <a:r>
+              <a:rPr lang="sk-SK" dirty="0"/>
+              <a:t>Pripravenie API serveru pre zachytenie hlásení</a:t>
+            </a:r>
+          </a:p>
+          <a:p>
+            <a:pPr>
+              <a:buAutoNum type="arabicPeriod"/>
+            </a:pPr>
+            <a:endParaRPr lang="sk-SK" dirty="0"/>
+          </a:p>
+          <a:p>
+            <a:endParaRPr lang="sk-SK" dirty="0"/>
+          </a:p>
+        </p:txBody>
+      </p:sp>
+      <p:sp>
+        <p:nvSpPr>
+          <p:cNvPr id="4" name="BlokTextu 3">
+            <a:extLst>
+              <a:ext uri="{FF2B5EF4-FFF2-40B4-BE49-F238E27FC236}">
+                <a16:creationId xmlns:a16="http://schemas.microsoft.com/office/drawing/2014/main" id="{E3B02DD4-D5EB-4CF7-B49A-048590B84A0A}"/>
+              </a:ext>
+            </a:extLst>
+          </p:cNvPr>
+          <p:cNvSpPr txBox="1"/>
+          <p:nvPr/>
+        </p:nvSpPr>
+        <p:spPr>
+          <a:xfrm>
+            <a:off x="544169" y="5902161"/>
+            <a:ext cx="5415842" cy="369332"/>
+          </a:xfrm>
+          <a:prstGeom prst="rect">
+            <a:avLst/>
+          </a:prstGeom>
+          <a:noFill/>
+        </p:spPr>
+        <p:txBody>
+          <a:bodyPr wrap="none" rtlCol="0">
+            <a:spAutoFit/>
+          </a:bodyPr>
+          <a:lstStyle/>
+          <a:p>
+            <a:r>
+              <a:rPr lang="sk-SK" dirty="0"/>
+              <a:t>TESTOVANIE FUNKČNOSTI </a:t>
+            </a:r>
+            <a:r>
+              <a:rPr lang="en-US" dirty="0"/>
+              <a:t>(</a:t>
+            </a:r>
+            <a:r>
+              <a:rPr lang="en-US" dirty="0" err="1"/>
+              <a:t>zatia</a:t>
+            </a:r>
+            <a:r>
+              <a:rPr lang="sk-SK" dirty="0"/>
+              <a:t>ľ bez argumentov</a:t>
+            </a:r>
+            <a:r>
+              <a:rPr lang="en-US" dirty="0"/>
+              <a:t>)</a:t>
+            </a:r>
+            <a:r>
+              <a:rPr lang="sk-SK" dirty="0"/>
+              <a:t>:</a:t>
+            </a:r>
+          </a:p>
+        </p:txBody>
+      </p:sp>
+      <p:sp>
+        <p:nvSpPr>
+          <p:cNvPr id="5" name="BlokTextu 4">
+            <a:extLst>
+              <a:ext uri="{FF2B5EF4-FFF2-40B4-BE49-F238E27FC236}">
+                <a16:creationId xmlns:a16="http://schemas.microsoft.com/office/drawing/2014/main" id="{BFA54E13-E2F8-4516-814B-1FB0C66AB81D}"/>
+              </a:ext>
+            </a:extLst>
+          </p:cNvPr>
+          <p:cNvSpPr txBox="1"/>
+          <p:nvPr/>
+        </p:nvSpPr>
+        <p:spPr>
+          <a:xfrm>
+            <a:off x="1100981" y="6271493"/>
+            <a:ext cx="8903078" cy="369332"/>
+          </a:xfrm>
+          <a:prstGeom prst="rect">
+            <a:avLst/>
+          </a:prstGeom>
+          <a:noFill/>
+        </p:spPr>
+        <p:txBody>
+          <a:bodyPr wrap="none" rtlCol="0">
+            <a:spAutoFit/>
+          </a:bodyPr>
+          <a:lstStyle/>
+          <a:p>
+            <a:r>
+              <a:rPr lang="fr-FR" dirty="0"/>
+              <a:t>"./</a:t>
+            </a:r>
+            <a:r>
+              <a:rPr lang="fr-FR" dirty="0" err="1"/>
+              <a:t>venv</a:t>
+            </a:r>
+            <a:r>
+              <a:rPr lang="fr-FR" dirty="0"/>
+              <a:t>/Scripts/python.exe" ./honey_token_generator/honey_token_constructor.py</a:t>
+            </a:r>
+            <a:endParaRPr lang="sk-SK" dirty="0"/>
+          </a:p>
+        </p:txBody>
+      </p:sp>
+    </p:spTree>
+    <p:extLst>
+      <p:ext uri="{BB962C8B-B14F-4D97-AF65-F5344CB8AC3E}">
+        <p14:creationId xmlns:p14="http://schemas.microsoft.com/office/powerpoint/2010/main" val="1100488114"/>
+      </p:ext>
+    </p:extLst>
+  </p:cSld>
+  <p:clrMapOvr>
+    <a:masterClrMapping/>
+  </p:clrMapOvr>
+</p:sld>
+</file>
+
+<file path=ppt/slides/slide19.xml><?xml version="1.0" encoding="utf-8"?>
+<p:sld xmlns:a="http://schemas.openxmlformats.org/drawingml/2006/main" xmlns:r="http://schemas.openxmlformats.org/officeDocument/2006/relationships" xmlns:p="http://schemas.openxmlformats.org/presentationml/2006/main">
+  <p:cSld>
+    <p:spTree>
+      <p:nvGrpSpPr>
+        <p:cNvPr id="1" name=""/>
+        <p:cNvGrpSpPr/>
+        <p:nvPr/>
+      </p:nvGrpSpPr>
+      <p:grpSpPr>
+        <a:xfrm>
+          <a:off x="0" y="0"/>
+          <a:ext cx="0" cy="0"/>
+          <a:chOff x="0" y="0"/>
+          <a:chExt cx="0" cy="0"/>
+        </a:xfrm>
+      </p:grpSpPr>
+      <p:sp>
+        <p:nvSpPr>
+          <p:cNvPr id="2" name="Nadpis 1">
+            <a:extLst>
+              <a:ext uri="{FF2B5EF4-FFF2-40B4-BE49-F238E27FC236}">
+                <a16:creationId xmlns:a16="http://schemas.microsoft.com/office/drawing/2014/main" id="{144FBF9A-2F63-48F5-B7BA-6825A98BB13B}"/>
+              </a:ext>
+            </a:extLst>
+          </p:cNvPr>
+          <p:cNvSpPr>
+            <a:spLocks noGrp="1"/>
+          </p:cNvSpPr>
+          <p:nvPr>
+            <p:ph type="title"/>
+          </p:nvPr>
+        </p:nvSpPr>
+        <p:spPr>
+          <a:xfrm>
+            <a:off x="473148" y="1825840"/>
+            <a:ext cx="8596668" cy="1320800"/>
+          </a:xfrm>
+        </p:spPr>
+        <p:txBody>
+          <a:bodyPr>
+            <a:normAutofit/>
+          </a:bodyPr>
+          <a:lstStyle/>
+          <a:p>
+            <a:r>
+              <a:rPr lang="sk-SK" sz="5400" b="1" dirty="0"/>
+              <a:t>Odkaz na repozitár</a:t>
+            </a:r>
+          </a:p>
+        </p:txBody>
+      </p:sp>
+      <p:sp>
+        <p:nvSpPr>
+          <p:cNvPr id="3" name="Zástupný objekt pre obsah 2">
+            <a:extLst>
+              <a:ext uri="{FF2B5EF4-FFF2-40B4-BE49-F238E27FC236}">
+                <a16:creationId xmlns:a16="http://schemas.microsoft.com/office/drawing/2014/main" id="{04FC10AB-4B0E-4127-8EB8-8A4A94F41A8C}"/>
+              </a:ext>
+            </a:extLst>
+          </p:cNvPr>
+          <p:cNvSpPr>
+            <a:spLocks noGrp="1"/>
+          </p:cNvSpPr>
+          <p:nvPr>
+            <p:ph idx="1"/>
+          </p:nvPr>
+        </p:nvSpPr>
+        <p:spPr>
+          <a:xfrm>
+            <a:off x="979175" y="3237638"/>
+            <a:ext cx="8596668" cy="3880773"/>
+          </a:xfrm>
+        </p:spPr>
+        <p:txBody>
+          <a:bodyPr>
+            <a:normAutofit/>
+          </a:bodyPr>
+          <a:lstStyle/>
+          <a:p>
+            <a:r>
+              <a:rPr lang="sk-SK" sz="3200" b="1" dirty="0"/>
+              <a:t>https://github.com/jperdek/tokenCreator</a:t>
+            </a:r>
+          </a:p>
+        </p:txBody>
+      </p:sp>
+      <p:sp>
+        <p:nvSpPr>
+          <p:cNvPr id="4" name="BlokTextu 3">
+            <a:extLst>
+              <a:ext uri="{FF2B5EF4-FFF2-40B4-BE49-F238E27FC236}">
+                <a16:creationId xmlns:a16="http://schemas.microsoft.com/office/drawing/2014/main" id="{B43215AE-924B-4F3B-BDC9-62CE102C3EC3}"/>
+              </a:ext>
+            </a:extLst>
+          </p:cNvPr>
+          <p:cNvSpPr txBox="1"/>
+          <p:nvPr/>
+        </p:nvSpPr>
+        <p:spPr>
+          <a:xfrm>
+            <a:off x="5934457" y="4074851"/>
+            <a:ext cx="2550122" cy="369332"/>
+          </a:xfrm>
+          <a:prstGeom prst="rect">
+            <a:avLst/>
+          </a:prstGeom>
+          <a:noFill/>
+        </p:spPr>
+        <p:txBody>
+          <a:bodyPr wrap="none" rtlCol="0">
+            <a:spAutoFit/>
+          </a:bodyPr>
+          <a:lstStyle/>
+          <a:p>
+            <a:r>
+              <a:rPr lang="sk-SK" dirty="0"/>
+              <a:t>Vyžiadajte si prístup...</a:t>
+            </a:r>
+          </a:p>
+        </p:txBody>
+      </p:sp>
+    </p:spTree>
+    <p:extLst>
+      <p:ext uri="{BB962C8B-B14F-4D97-AF65-F5344CB8AC3E}">
+        <p14:creationId xmlns:p14="http://schemas.microsoft.com/office/powerpoint/2010/main" val="2253566020"/>
+      </p:ext>
+    </p:extLst>
+  </p:cSld>
+  <p:clrMapOvr>
+    <a:masterClrMapping/>
+  </p:clrMapOvr>
+</p:sld>
+</file>
+
 <file path=ppt/slides/slide2.xml><?xml version="1.0" encoding="utf-8"?>
 <p:sld xmlns:a="http://schemas.openxmlformats.org/drawingml/2006/main" xmlns:r="http://schemas.openxmlformats.org/officeDocument/2006/relationships" xmlns:p="http://schemas.openxmlformats.org/presentationml/2006/main">
   <p:cSld>
@@ -29486,7 +30006,7 @@
         </p:nvSpPr>
         <p:spPr>
           <a:xfrm>
-            <a:off x="609640" y="336447"/>
+            <a:off x="463969" y="234200"/>
             <a:ext cx="8596668" cy="1320800"/>
           </a:xfrm>
         </p:spPr>
@@ -29521,13 +30041,13 @@
           <p:nvPr>
             <p:extLst>
               <p:ext uri="{D42A27DB-BD31-4B8C-83A1-F6EECF244321}">
-                <p14:modId xmlns:p14="http://schemas.microsoft.com/office/powerpoint/2010/main" val="2180427103"/>
+                <p14:modId xmlns:p14="http://schemas.microsoft.com/office/powerpoint/2010/main" val="2209789065"/>
               </p:ext>
             </p:extLst>
           </p:nvPr>
         </p:nvGraphicFramePr>
         <p:xfrm>
-          <a:off x="609640" y="2015232"/>
+          <a:off x="609640" y="2819154"/>
           <a:ext cx="5158913" cy="3812383"/>
         </p:xfrm>
         <a:graphic>
@@ -29549,13 +30069,13 @@
           <p:nvPr>
             <p:extLst>
               <p:ext uri="{D42A27DB-BD31-4B8C-83A1-F6EECF244321}">
-                <p14:modId xmlns:p14="http://schemas.microsoft.com/office/powerpoint/2010/main" val="3175891283"/>
+                <p14:modId xmlns:p14="http://schemas.microsoft.com/office/powerpoint/2010/main" val="3778976405"/>
               </p:ext>
             </p:extLst>
           </p:nvPr>
         </p:nvGraphicFramePr>
         <p:xfrm>
-          <a:off x="6546953" y="2629271"/>
+          <a:off x="6191846" y="2932679"/>
           <a:ext cx="5158913" cy="3812383"/>
         </p:xfrm>
         <a:graphic>
@@ -29564,6 +30084,169 @@
           </a:graphicData>
         </a:graphic>
       </p:graphicFrame>
+      <p:sp>
+        <p:nvSpPr>
+          <p:cNvPr id="3" name="BlokTextu 2">
+            <a:extLst>
+              <a:ext uri="{FF2B5EF4-FFF2-40B4-BE49-F238E27FC236}">
+                <a16:creationId xmlns:a16="http://schemas.microsoft.com/office/drawing/2014/main" id="{0203D72B-0B24-4365-A418-C7C1C56AD571}"/>
+              </a:ext>
+            </a:extLst>
+          </p:cNvPr>
+          <p:cNvSpPr txBox="1"/>
+          <p:nvPr/>
+        </p:nvSpPr>
+        <p:spPr>
+          <a:xfrm>
+            <a:off x="5531607" y="2040127"/>
+            <a:ext cx="4721934" cy="523220"/>
+          </a:xfrm>
+          <a:prstGeom prst="rect">
+            <a:avLst/>
+          </a:prstGeom>
+          <a:noFill/>
+        </p:spPr>
+        <p:txBody>
+          <a:bodyPr wrap="none" rtlCol="0">
+            <a:spAutoFit/>
+          </a:bodyPr>
+          <a:lstStyle/>
+          <a:p>
+            <a:r>
+              <a:rPr lang="sk-SK" sz="2800" b="1" dirty="0"/>
+              <a:t>Podľa stupňa interaktivity:</a:t>
+            </a:r>
+          </a:p>
+        </p:txBody>
+      </p:sp>
+      <p:sp>
+        <p:nvSpPr>
+          <p:cNvPr id="6" name="BlokTextu 5">
+            <a:extLst>
+              <a:ext uri="{FF2B5EF4-FFF2-40B4-BE49-F238E27FC236}">
+                <a16:creationId xmlns:a16="http://schemas.microsoft.com/office/drawing/2014/main" id="{87AA537A-56EE-479A-BE12-ED4F9E1965A0}"/>
+              </a:ext>
+            </a:extLst>
+          </p:cNvPr>
+          <p:cNvSpPr txBox="1"/>
+          <p:nvPr/>
+        </p:nvSpPr>
+        <p:spPr>
+          <a:xfrm>
+            <a:off x="295262" y="2224793"/>
+            <a:ext cx="3639907" cy="523220"/>
+          </a:xfrm>
+          <a:prstGeom prst="rect">
+            <a:avLst/>
+          </a:prstGeom>
+          <a:noFill/>
+        </p:spPr>
+        <p:txBody>
+          <a:bodyPr wrap="none" rtlCol="0">
+            <a:spAutoFit/>
+          </a:bodyPr>
+          <a:lstStyle/>
+          <a:p>
+            <a:r>
+              <a:rPr lang="sk-SK" sz="2800" b="1" dirty="0"/>
+              <a:t>Podľa ich nasadenia:</a:t>
+            </a:r>
+          </a:p>
+        </p:txBody>
+      </p:sp>
+      <p:sp>
+        <p:nvSpPr>
+          <p:cNvPr id="7" name="BlokTextu 6">
+            <a:extLst>
+              <a:ext uri="{FF2B5EF4-FFF2-40B4-BE49-F238E27FC236}">
+                <a16:creationId xmlns:a16="http://schemas.microsoft.com/office/drawing/2014/main" id="{66B57DC0-7FDE-4CDD-A771-5673D0748BCD}"/>
+              </a:ext>
+            </a:extLst>
+          </p:cNvPr>
+          <p:cNvSpPr txBox="1"/>
+          <p:nvPr/>
+        </p:nvSpPr>
+        <p:spPr>
+          <a:xfrm>
+            <a:off x="6968970" y="2506585"/>
+            <a:ext cx="1686680" cy="369332"/>
+          </a:xfrm>
+          <a:prstGeom prst="rect">
+            <a:avLst/>
+          </a:prstGeom>
+          <a:noFill/>
+        </p:spPr>
+        <p:txBody>
+          <a:bodyPr wrap="none" rtlCol="0">
+            <a:spAutoFit/>
+          </a:bodyPr>
+          <a:lstStyle/>
+          <a:p>
+            <a:r>
+              <a:rPr lang="sk-SK" dirty="0"/>
+              <a:t>Kritérií návrhu</a:t>
+            </a:r>
+          </a:p>
+        </p:txBody>
+      </p:sp>
+      <p:sp>
+        <p:nvSpPr>
+          <p:cNvPr id="8" name="BlokTextu 7">
+            <a:extLst>
+              <a:ext uri="{FF2B5EF4-FFF2-40B4-BE49-F238E27FC236}">
+                <a16:creationId xmlns:a16="http://schemas.microsoft.com/office/drawing/2014/main" id="{E99B9D22-5301-4097-A01B-DB01734BE374}"/>
+              </a:ext>
+            </a:extLst>
+          </p:cNvPr>
+          <p:cNvSpPr txBox="1"/>
+          <p:nvPr/>
+        </p:nvSpPr>
+        <p:spPr>
+          <a:xfrm>
+            <a:off x="463969" y="1320674"/>
+            <a:ext cx="9174306" cy="646331"/>
+          </a:xfrm>
+          <a:prstGeom prst="rect">
+            <a:avLst/>
+          </a:prstGeom>
+          <a:noFill/>
+        </p:spPr>
+        <p:txBody>
+          <a:bodyPr wrap="none" rtlCol="0">
+            <a:spAutoFit/>
+          </a:bodyPr>
+          <a:lstStyle/>
+          <a:p>
+            <a:r>
+              <a:rPr lang="sk-SK" sz="1800" dirty="0" err="1">
+                <a:effectLst/>
+                <a:latin typeface="Times New Roman" panose="02020603050405020304" pitchFamily="18" charset="0"/>
+                <a:ea typeface="Calibri" panose="020F0502020204030204" pitchFamily="34" charset="0"/>
+              </a:rPr>
+              <a:t>Honeypoty</a:t>
+            </a:r>
+            <a:r>
+              <a:rPr lang="sk-SK" sz="1800" dirty="0">
+                <a:effectLst/>
+                <a:latin typeface="Times New Roman" panose="02020603050405020304" pitchFamily="18" charset="0"/>
+                <a:ea typeface="Calibri" panose="020F0502020204030204" pitchFamily="34" charset="0"/>
+              </a:rPr>
+              <a:t> sú bezpečnostným zdrojom generujúcim upozornenia pri zachytení interakcie s nimi. </a:t>
+            </a:r>
+          </a:p>
+          <a:p>
+            <a:r>
+              <a:rPr lang="sk-SK" sz="1800" dirty="0">
+                <a:effectLst/>
+                <a:latin typeface="Times New Roman" panose="02020603050405020304" pitchFamily="18" charset="0"/>
+                <a:ea typeface="Calibri" panose="020F0502020204030204" pitchFamily="34" charset="0"/>
+              </a:rPr>
+              <a:t>Napríklad v podobe ich prieskumu, útoku alebo pri ich kompromitácii. </a:t>
+            </a:r>
+            <a:endParaRPr lang="sk-SK" dirty="0"/>
+          </a:p>
+        </p:txBody>
+      </p:sp>
     </p:spTree>
     <p:extLst>
       <p:ext uri="{BB962C8B-B14F-4D97-AF65-F5344CB8AC3E}">
@@ -30409,13 +31092,8 @@
             </a:r>
             <a:r>
               <a:rPr lang="sk-SK" b="1" dirty="0"/>
-              <a:t>é otvorenie súboru nemusí byť vždy </a:t>
-            </a:r>
-            <a:r>
-              <a:rPr lang="sk-SK" b="1" dirty="0" err="1"/>
-              <a:t>detekované</a:t>
-            </a:r>
-            <a:endParaRPr lang="sk-SK" b="1" dirty="0"/>
+              <a:t>é otvorenie súboru nemusí byť vždy detegované</a:t>
+            </a:r>
           </a:p>
         </p:txBody>
       </p:sp>
@@ -33575,4 +34253,299 @@
     </a:ext>
   </a:extLst>
 </a:theme>
+</file>
+
+<file path=ppt/theme/theme2.xml><?xml version="1.0" encoding="utf-8"?>
+<a:theme xmlns:a="http://schemas.openxmlformats.org/drawingml/2006/main" name="Motív Office">
+  <a:themeElements>
+    <a:clrScheme name="Office">
+      <a:dk1>
+        <a:sysClr val="windowText" lastClr="000000"/>
+      </a:dk1>
+      <a:lt1>
+        <a:sysClr val="window" lastClr="FFFFFF"/>
+      </a:lt1>
+      <a:dk2>
+        <a:srgbClr val="44546A"/>
+      </a:dk2>
+      <a:lt2>
+        <a:srgbClr val="E7E6E6"/>
+      </a:lt2>
+      <a:accent1>
+        <a:srgbClr val="4472C4"/>
+      </a:accent1>
+      <a:accent2>
+        <a:srgbClr val="ED7D31"/>
+      </a:accent2>
+      <a:accent3>
+        <a:srgbClr val="A5A5A5"/>
+      </a:accent3>
+      <a:accent4>
+        <a:srgbClr val="FFC000"/>
+      </a:accent4>
+      <a:accent5>
+        <a:srgbClr val="5B9BD5"/>
+      </a:accent5>
+      <a:accent6>
+        <a:srgbClr val="70AD47"/>
+      </a:accent6>
+      <a:hlink>
+        <a:srgbClr val="0563C1"/>
+      </a:hlink>
+      <a:folHlink>
+        <a:srgbClr val="954F72"/>
+      </a:folHlink>
+    </a:clrScheme>
+    <a:fontScheme name="Office">
+      <a:majorFont>
+        <a:latin typeface="Calibri Light" panose="020F0302020204030204"/>
+        <a:ea typeface=""/>
+        <a:cs typeface=""/>
+        <a:font script="Jpan" typeface="游ゴシック Light"/>
+        <a:font script="Hang" typeface="맑은 고딕"/>
+        <a:font script="Hans" typeface="等线 Light"/>
+        <a:font script="Hant" typeface="新細明體"/>
+        <a:font script="Arab" typeface="Times New Roman"/>
+        <a:font script="Hebr" typeface="Times New Roman"/>
+        <a:font script="Thai" typeface="Angsana New"/>
+        <a:font script="Ethi" typeface="Nyala"/>
+        <a:font script="Beng" typeface="Vrinda"/>
+        <a:font script="Gujr" typeface="Shruti"/>
+        <a:font script="Khmr" typeface="MoolBoran"/>
+        <a:font script="Knda" typeface="Tunga"/>
+        <a:font script="Guru" typeface="Raavi"/>
+        <a:font script="Cans" typeface="Euphemia"/>
+        <a:font script="Cher" typeface="Plantagenet Cherokee"/>
+        <a:font script="Yiii" typeface="Microsoft Yi Baiti"/>
+        <a:font script="Tibt" typeface="Microsoft Himalaya"/>
+        <a:font script="Thaa" typeface="MV Boli"/>
+        <a:font script="Deva" typeface="Mangal"/>
+        <a:font script="Telu" typeface="Gautami"/>
+        <a:font script="Taml" typeface="Latha"/>
+        <a:font script="Syrc" typeface="Estrangelo Edessa"/>
+        <a:font script="Orya" typeface="Kalinga"/>
+        <a:font script="Mlym" typeface="Kartika"/>
+        <a:font script="Laoo" typeface="DokChampa"/>
+        <a:font script="Sinh" typeface="Iskoola Pota"/>
+        <a:font script="Mong" typeface="Mongolian Baiti"/>
+        <a:font script="Viet" typeface="Times New Roman"/>
+        <a:font script="Uigh" typeface="Microsoft Uighur"/>
+        <a:font script="Geor" typeface="Sylfaen"/>
+        <a:font script="Armn" typeface="Arial"/>
+        <a:font script="Bugi" typeface="Leelawadee UI"/>
+        <a:font script="Bopo" typeface="Microsoft JhengHei"/>
+        <a:font script="Java" typeface="Javanese Text"/>
+        <a:font script="Lisu" typeface="Segoe UI"/>
+        <a:font script="Mymr" typeface="Myanmar Text"/>
+        <a:font script="Nkoo" typeface="Ebrima"/>
+        <a:font script="Olck" typeface="Nirmala UI"/>
+        <a:font script="Osma" typeface="Ebrima"/>
+        <a:font script="Phag" typeface="Phagspa"/>
+        <a:font script="Syrn" typeface="Estrangelo Edessa"/>
+        <a:font script="Syrj" typeface="Estrangelo Edessa"/>
+        <a:font script="Syre" typeface="Estrangelo Edessa"/>
+        <a:font script="Sora" typeface="Nirmala UI"/>
+        <a:font script="Tale" typeface="Microsoft Tai Le"/>
+        <a:font script="Talu" typeface="Microsoft New Tai Lue"/>
+        <a:font script="Tfng" typeface="Ebrima"/>
+      </a:majorFont>
+      <a:minorFont>
+        <a:latin typeface="Calibri" panose="020F0502020204030204"/>
+        <a:ea typeface=""/>
+        <a:cs typeface=""/>
+        <a:font script="Jpan" typeface="游ゴシック"/>
+        <a:font script="Hang" typeface="맑은 고딕"/>
+        <a:font script="Hans" typeface="等线"/>
+        <a:font script="Hant" typeface="新細明體"/>
+        <a:font script="Arab" typeface="Arial"/>
+        <a:font script="Hebr" typeface="Arial"/>
+        <a:font script="Thai" typeface="Cordia New"/>
+        <a:font script="Ethi" typeface="Nyala"/>
+        <a:font script="Beng" typeface="Vrinda"/>
+        <a:font script="Gujr" typeface="Shruti"/>
+        <a:font script="Khmr" typeface="DaunPenh"/>
+        <a:font script="Knda" typeface="Tunga"/>
+        <a:font script="Guru" typeface="Raavi"/>
+        <a:font script="Cans" typeface="Euphemia"/>
+        <a:font script="Cher" typeface="Plantagenet Cherokee"/>
+        <a:font script="Yiii" typeface="Microsoft Yi Baiti"/>
+        <a:font script="Tibt" typeface="Microsoft Himalaya"/>
+        <a:font script="Thaa" typeface="MV Boli"/>
+        <a:font script="Deva" typeface="Mangal"/>
+        <a:font script="Telu" typeface="Gautami"/>
+        <a:font script="Taml" typeface="Latha"/>
+        <a:font script="Syrc" typeface="Estrangelo Edessa"/>
+        <a:font script="Orya" typeface="Kalinga"/>
+        <a:font script="Mlym" typeface="Kartika"/>
+        <a:font script="Laoo" typeface="DokChampa"/>
+        <a:font script="Sinh" typeface="Iskoola Pota"/>
+        <a:font script="Mong" typeface="Mongolian Baiti"/>
+        <a:font script="Viet" typeface="Arial"/>
+        <a:font script="Uigh" typeface="Microsoft Uighur"/>
+        <a:font script="Geor" typeface="Sylfaen"/>
+        <a:font script="Armn" typeface="Arial"/>
+        <a:font script="Bugi" typeface="Leelawadee UI"/>
+        <a:font script="Bopo" typeface="Microsoft JhengHei"/>
+        <a:font script="Java" typeface="Javanese Text"/>
+        <a:font script="Lisu" typeface="Segoe UI"/>
+        <a:font script="Mymr" typeface="Myanmar Text"/>
+        <a:font script="Nkoo" typeface="Ebrima"/>
+        <a:font script="Olck" typeface="Nirmala UI"/>
+        <a:font script="Osma" typeface="Ebrima"/>
+        <a:font script="Phag" typeface="Phagspa"/>
+        <a:font script="Syrn" typeface="Estrangelo Edessa"/>
+        <a:font script="Syrj" typeface="Estrangelo Edessa"/>
+        <a:font script="Syre" typeface="Estrangelo Edessa"/>
+        <a:font script="Sora" typeface="Nirmala UI"/>
+        <a:font script="Tale" typeface="Microsoft Tai Le"/>
+        <a:font script="Talu" typeface="Microsoft New Tai Lue"/>
+        <a:font script="Tfng" typeface="Ebrima"/>
+      </a:minorFont>
+    </a:fontScheme>
+    <a:fmtScheme name="Office">
+      <a:fillStyleLst>
+        <a:solidFill>
+          <a:schemeClr val="phClr"/>
+        </a:solidFill>
+        <a:gradFill rotWithShape="1">
+          <a:gsLst>
+            <a:gs pos="0">
+              <a:schemeClr val="phClr">
+                <a:lumMod val="110000"/>
+                <a:satMod val="105000"/>
+                <a:tint val="67000"/>
+              </a:schemeClr>
+            </a:gs>
+            <a:gs pos="50000">
+              <a:schemeClr val="phClr">
+                <a:lumMod val="105000"/>
+                <a:satMod val="103000"/>
+                <a:tint val="73000"/>
+              </a:schemeClr>
+            </a:gs>
+            <a:gs pos="100000">
+              <a:schemeClr val="phClr">
+                <a:lumMod val="105000"/>
+                <a:satMod val="109000"/>
+                <a:tint val="81000"/>
+              </a:schemeClr>
+            </a:gs>
+          </a:gsLst>
+          <a:lin ang="5400000" scaled="0"/>
+        </a:gradFill>
+        <a:gradFill rotWithShape="1">
+          <a:gsLst>
+            <a:gs pos="0">
+              <a:schemeClr val="phClr">
+                <a:satMod val="103000"/>
+                <a:lumMod val="102000"/>
+                <a:tint val="94000"/>
+              </a:schemeClr>
+            </a:gs>
+            <a:gs pos="50000">
+              <a:schemeClr val="phClr">
+                <a:satMod val="110000"/>
+                <a:lumMod val="100000"/>
+                <a:shade val="100000"/>
+              </a:schemeClr>
+            </a:gs>
+            <a:gs pos="100000">
+              <a:schemeClr val="phClr">
+                <a:lumMod val="99000"/>
+                <a:satMod val="120000"/>
+                <a:shade val="78000"/>
+              </a:schemeClr>
+            </a:gs>
+          </a:gsLst>
+          <a:lin ang="5400000" scaled="0"/>
+        </a:gradFill>
+      </a:fillStyleLst>
+      <a:lnStyleLst>
+        <a:ln w="6350" cap="flat" cmpd="sng" algn="ctr">
+          <a:solidFill>
+            <a:schemeClr val="phClr"/>
+          </a:solidFill>
+          <a:prstDash val="solid"/>
+          <a:miter lim="800000"/>
+        </a:ln>
+        <a:ln w="12700" cap="flat" cmpd="sng" algn="ctr">
+          <a:solidFill>
+            <a:schemeClr val="phClr"/>
+          </a:solidFill>
+          <a:prstDash val="solid"/>
+          <a:miter lim="800000"/>
+        </a:ln>
+        <a:ln w="19050" cap="flat" cmpd="sng" algn="ctr">
+          <a:solidFill>
+            <a:schemeClr val="phClr"/>
+          </a:solidFill>
+          <a:prstDash val="solid"/>
+          <a:miter lim="800000"/>
+        </a:ln>
+      </a:lnStyleLst>
+      <a:effectStyleLst>
+        <a:effectStyle>
+          <a:effectLst/>
+        </a:effectStyle>
+        <a:effectStyle>
+          <a:effectLst/>
+        </a:effectStyle>
+        <a:effectStyle>
+          <a:effectLst>
+            <a:outerShdw blurRad="57150" dist="19050" dir="5400000" algn="ctr" rotWithShape="0">
+              <a:srgbClr val="000000">
+                <a:alpha val="63000"/>
+              </a:srgbClr>
+            </a:outerShdw>
+          </a:effectLst>
+        </a:effectStyle>
+      </a:effectStyleLst>
+      <a:bgFillStyleLst>
+        <a:solidFill>
+          <a:schemeClr val="phClr"/>
+        </a:solidFill>
+        <a:solidFill>
+          <a:schemeClr val="phClr">
+            <a:tint val="95000"/>
+            <a:satMod val="170000"/>
+          </a:schemeClr>
+        </a:solidFill>
+        <a:gradFill rotWithShape="1">
+          <a:gsLst>
+            <a:gs pos="0">
+              <a:schemeClr val="phClr">
+                <a:tint val="93000"/>
+                <a:satMod val="150000"/>
+                <a:shade val="98000"/>
+                <a:lumMod val="102000"/>
+              </a:schemeClr>
+            </a:gs>
+            <a:gs pos="50000">
+              <a:schemeClr val="phClr">
+                <a:tint val="98000"/>
+                <a:satMod val="130000"/>
+                <a:shade val="90000"/>
+                <a:lumMod val="103000"/>
+              </a:schemeClr>
+            </a:gs>
+            <a:gs pos="100000">
+              <a:schemeClr val="phClr">
+                <a:shade val="63000"/>
+                <a:satMod val="120000"/>
+              </a:schemeClr>
+            </a:gs>
+          </a:gsLst>
+          <a:lin ang="5400000" scaled="0"/>
+        </a:gradFill>
+      </a:bgFillStyleLst>
+    </a:fmtScheme>
+  </a:themeElements>
+  <a:objectDefaults/>
+  <a:extraClrSchemeLst/>
+  <a:extLst>
+    <a:ext uri="{05A4C25C-085E-4340-85A3-A5531E510DB2}">
+      <thm15:themeFamily xmlns:thm15="http://schemas.microsoft.com/office/thememl/2012/main" name="Office Theme" id="{62F939B6-93AF-4DB8-9C6B-D6C7DFDC589F}" vid="{4A3C46E8-61CC-4603-A589-7422A47A8E4A}"/>
+    </a:ext>
+  </a:extLst>
+</a:theme>
 </file>